--- a/05-CrDyn/Pictures/PumpPres.pptx
+++ b/05-CrDyn/Pictures/PumpPres.pptx
@@ -288,7 +288,7 @@
           <a:p>
             <a:fld id="{B1933D82-7276-4450-98EC-21FE8DADF27B}" type="datetimeFigureOut">
               <a:rPr lang="fr-FR" smtClean="0"/>
-              <a:t>21/06/2017</a:t>
+              <a:t>29/06/2017</a:t>
             </a:fld>
             <a:endParaRPr lang="fr-FR"/>
           </a:p>
@@ -458,7 +458,7 @@
           <a:p>
             <a:fld id="{B1933D82-7276-4450-98EC-21FE8DADF27B}" type="datetimeFigureOut">
               <a:rPr lang="fr-FR" smtClean="0"/>
-              <a:t>21/06/2017</a:t>
+              <a:t>29/06/2017</a:t>
             </a:fld>
             <a:endParaRPr lang="fr-FR"/>
           </a:p>
@@ -638,7 +638,7 @@
           <a:p>
             <a:fld id="{B1933D82-7276-4450-98EC-21FE8DADF27B}" type="datetimeFigureOut">
               <a:rPr lang="fr-FR" smtClean="0"/>
-              <a:t>21/06/2017</a:t>
+              <a:t>29/06/2017</a:t>
             </a:fld>
             <a:endParaRPr lang="fr-FR"/>
           </a:p>
@@ -808,7 +808,7 @@
           <a:p>
             <a:fld id="{B1933D82-7276-4450-98EC-21FE8DADF27B}" type="datetimeFigureOut">
               <a:rPr lang="fr-FR" smtClean="0"/>
-              <a:t>21/06/2017</a:t>
+              <a:t>29/06/2017</a:t>
             </a:fld>
             <a:endParaRPr lang="fr-FR"/>
           </a:p>
@@ -1054,7 +1054,7 @@
           <a:p>
             <a:fld id="{B1933D82-7276-4450-98EC-21FE8DADF27B}" type="datetimeFigureOut">
               <a:rPr lang="fr-FR" smtClean="0"/>
-              <a:t>21/06/2017</a:t>
+              <a:t>29/06/2017</a:t>
             </a:fld>
             <a:endParaRPr lang="fr-FR"/>
           </a:p>
@@ -1342,7 +1342,7 @@
           <a:p>
             <a:fld id="{B1933D82-7276-4450-98EC-21FE8DADF27B}" type="datetimeFigureOut">
               <a:rPr lang="fr-FR" smtClean="0"/>
-              <a:t>21/06/2017</a:t>
+              <a:t>29/06/2017</a:t>
             </a:fld>
             <a:endParaRPr lang="fr-FR"/>
           </a:p>
@@ -1769,7 +1769,7 @@
           <a:p>
             <a:fld id="{B1933D82-7276-4450-98EC-21FE8DADF27B}" type="datetimeFigureOut">
               <a:rPr lang="fr-FR" smtClean="0"/>
-              <a:t>21/06/2017</a:t>
+              <a:t>29/06/2017</a:t>
             </a:fld>
             <a:endParaRPr lang="fr-FR"/>
           </a:p>
@@ -1887,7 +1887,7 @@
           <a:p>
             <a:fld id="{B1933D82-7276-4450-98EC-21FE8DADF27B}" type="datetimeFigureOut">
               <a:rPr lang="fr-FR" smtClean="0"/>
-              <a:t>21/06/2017</a:t>
+              <a:t>29/06/2017</a:t>
             </a:fld>
             <a:endParaRPr lang="fr-FR"/>
           </a:p>
@@ -1982,7 +1982,7 @@
           <a:p>
             <a:fld id="{B1933D82-7276-4450-98EC-21FE8DADF27B}" type="datetimeFigureOut">
               <a:rPr lang="fr-FR" smtClean="0"/>
-              <a:t>21/06/2017</a:t>
+              <a:t>29/06/2017</a:t>
             </a:fld>
             <a:endParaRPr lang="fr-FR"/>
           </a:p>
@@ -2259,7 +2259,7 @@
           <a:p>
             <a:fld id="{B1933D82-7276-4450-98EC-21FE8DADF27B}" type="datetimeFigureOut">
               <a:rPr lang="fr-FR" smtClean="0"/>
-              <a:t>21/06/2017</a:t>
+              <a:t>29/06/2017</a:t>
             </a:fld>
             <a:endParaRPr lang="fr-FR"/>
           </a:p>
@@ -2512,7 +2512,7 @@
           <a:p>
             <a:fld id="{B1933D82-7276-4450-98EC-21FE8DADF27B}" type="datetimeFigureOut">
               <a:rPr lang="fr-FR" smtClean="0"/>
-              <a:t>21/06/2017</a:t>
+              <a:t>29/06/2017</a:t>
             </a:fld>
             <a:endParaRPr lang="fr-FR"/>
           </a:p>
@@ -2725,7 +2725,7 @@
           <a:p>
             <a:fld id="{B1933D82-7276-4450-98EC-21FE8DADF27B}" type="datetimeFigureOut">
               <a:rPr lang="fr-FR" smtClean="0"/>
-              <a:t>21/06/2017</a:t>
+              <a:t>29/06/2017</a:t>
             </a:fld>
             <a:endParaRPr lang="fr-FR"/>
           </a:p>
@@ -4494,7 +4494,7 @@
             <p:spPr bwMode="auto">
               <a:xfrm>
                 <a:off x="5731927" y="4850197"/>
-                <a:ext cx="531848" cy="256217"/>
+                <a:ext cx="562244" cy="366364"/>
               </a:xfrm>
               <a:prstGeom prst="rect">
                 <a:avLst/>
@@ -4540,13 +4540,13 @@
               <a:lstStyle/>
               <a:p>
                 <a:r>
-                  <a:rPr lang="en-GB" sz="1400" dirty="0" err="1">
+                  <a:rPr lang="en-GB" sz="1400" dirty="0" err="1" smtClean="0">
                     <a:latin typeface="Times New Roman" pitchFamily="16" charset="0"/>
                   </a:rPr>
                   <a:t>S</a:t>
                 </a:r>
                 <a:r>
-                  <a:rPr lang="en-GB" sz="1400" baseline="-25000" dirty="0" err="1">
+                  <a:rPr lang="en-GB" sz="1400" baseline="-25000" dirty="0" err="1" smtClean="0">
                     <a:latin typeface="Times New Roman" pitchFamily="16" charset="0"/>
                   </a:rPr>
                   <a:t>z</a:t>
@@ -4555,13 +4555,13 @@
                   <a:rPr lang="en-GB" sz="1400" dirty="0" smtClean="0">
                     <a:latin typeface="Times New Roman" pitchFamily="16" charset="0"/>
                   </a:rPr>
-                  <a:t>=</a:t>
+                  <a:t>= </a:t>
                 </a:r>
                 <a:r>
                   <a:rPr lang="en-GB" sz="1400" i="1" dirty="0" smtClean="0">
                     <a:latin typeface="Times New Roman" pitchFamily="16" charset="0"/>
                   </a:rPr>
-                  <a:t>-</a:t>
+                  <a:t>+</a:t>
                 </a:r>
                 <a:r>
                   <a:rPr lang="en-GB" sz="1400" dirty="0" smtClean="0">
@@ -4809,7 +4809,7 @@
             <p:spPr bwMode="auto">
               <a:xfrm>
                 <a:off x="4677026" y="4850196"/>
-                <a:ext cx="637595" cy="301807"/>
+                <a:ext cx="535832" cy="366364"/>
               </a:xfrm>
               <a:prstGeom prst="rect">
                 <a:avLst/>
@@ -4870,13 +4870,14 @@
                   <a:rPr lang="en-GB" sz="1400" dirty="0" smtClean="0">
                     <a:latin typeface="Times New Roman" pitchFamily="16" charset="0"/>
                   </a:rPr>
-                  <a:t>=</a:t>
+                  <a:t>= </a:t>
                 </a:r>
                 <a:r>
-                  <a:rPr lang="en-GB" sz="1400" dirty="0">
-                    <a:latin typeface="Times New Roman" pitchFamily="16" charset="0"/>
+                  <a:rPr lang="fr-FR" sz="1400" dirty="0" smtClean="0">
+                    <a:latin typeface="Times New Roman" panose="02020603050405020304" pitchFamily="18" charset="0"/>
+                    <a:cs typeface="Times New Roman" panose="02020603050405020304" pitchFamily="18" charset="0"/>
                   </a:rPr>
-                  <a:t>+</a:t>
+                  <a:t>–</a:t>
                 </a:r>
                 <a:r>
                   <a:rPr lang="en-GB" sz="1400" dirty="0" smtClean="0">
@@ -6274,97 +6275,6 @@
           </p:txBody>
         </p:sp>
       </p:grpSp>
-      <p:sp>
-        <p:nvSpPr>
-          <p:cNvPr id="54" name="Freeform 88"/>
-          <p:cNvSpPr>
-            <a:spLocks/>
-          </p:cNvSpPr>
-          <p:nvPr/>
-        </p:nvSpPr>
-        <p:spPr bwMode="auto">
-          <a:xfrm rot="3103450" flipH="1">
-            <a:off x="3879026" y="984548"/>
-            <a:ext cx="786233" cy="155253"/>
-          </a:xfrm>
-          <a:custGeom>
-            <a:avLst/>
-            <a:gdLst>
-              <a:gd name="T0" fmla="*/ 0 w 590"/>
-              <a:gd name="T1" fmla="*/ 90 h 90"/>
-              <a:gd name="T2" fmla="*/ 272 w 590"/>
-              <a:gd name="T3" fmla="*/ 0 h 90"/>
-              <a:gd name="T4" fmla="*/ 590 w 590"/>
-              <a:gd name="T5" fmla="*/ 90 h 90"/>
-            </a:gdLst>
-            <a:ahLst/>
-            <a:cxnLst>
-              <a:cxn ang="0">
-                <a:pos x="T0" y="T1"/>
-              </a:cxn>
-              <a:cxn ang="0">
-                <a:pos x="T2" y="T3"/>
-              </a:cxn>
-              <a:cxn ang="0">
-                <a:pos x="T4" y="T5"/>
-              </a:cxn>
-            </a:cxnLst>
-            <a:rect l="0" t="0" r="r" b="b"/>
-            <a:pathLst>
-              <a:path w="590" h="90">
-                <a:moveTo>
-                  <a:pt x="0" y="90"/>
-                </a:moveTo>
-                <a:cubicBezTo>
-                  <a:pt x="87" y="45"/>
-                  <a:pt x="174" y="0"/>
-                  <a:pt x="272" y="0"/>
-                </a:cubicBezTo>
-                <a:cubicBezTo>
-                  <a:pt x="370" y="0"/>
-                  <a:pt x="537" y="75"/>
-                  <a:pt x="590" y="90"/>
-                </a:cubicBezTo>
-              </a:path>
-            </a:pathLst>
-          </a:custGeom>
-          <a:noFill/>
-          <a:ln w="19050">
-            <a:solidFill>
-              <a:srgbClr val="009900"/>
-            </a:solidFill>
-            <a:round/>
-            <a:headEnd type="triangle" w="med" len="med"/>
-            <a:tailEnd type="none" w="med" len="med"/>
-          </a:ln>
-          <a:effectLst/>
-          <a:extLst>
-            <a:ext uri="{909E8E84-426E-40DD-AFC4-6F175D3DCCD1}">
-              <a14:hiddenFill xmlns:a14="http://schemas.microsoft.com/office/drawing/2010/main">
-                <a:solidFill>
-                  <a:schemeClr val="accent1"/>
-                </a:solidFill>
-              </a14:hiddenFill>
-            </a:ext>
-            <a:ext uri="{AF507438-7753-43E0-B8FC-AC1667EBCBE1}">
-              <a14:hiddenEffects xmlns:a14="http://schemas.microsoft.com/office/drawing/2010/main">
-                <a:effectLst>
-                  <a:outerShdw dist="35921" dir="2700000" algn="ctr" rotWithShape="0">
-                    <a:schemeClr val="bg2"/>
-                  </a:outerShdw>
-                </a:effectLst>
-              </a14:hiddenEffects>
-            </a:ext>
-          </a:extLst>
-        </p:spPr>
-        <p:txBody>
-          <a:bodyPr/>
-          <a:lstStyle/>
-          <a:p>
-            <a:endParaRPr lang="en-US"/>
-          </a:p>
-        </p:txBody>
-      </p:sp>
     </p:spTree>
     <p:extLst>
       <p:ext uri="{BB962C8B-B14F-4D97-AF65-F5344CB8AC3E}">
